--- a/Lectures/9.Debugging_and_VM/Lecture9.pptx
+++ b/Lectures/9.Debugging_and_VM/Lecture9.pptx
@@ -280,7 +280,7 @@
           <a:p>
             <a:fld id="{8A70136C-4900-4139-A65E-0FFE21BA8660}" type="datetimeFigureOut">
               <a:rPr lang="en-US" smtClean="0"/>
-              <a:t>12/16/2025</a:t>
+              <a:t>12/17/2025</a:t>
             </a:fld>
             <a:endParaRPr lang="en-US"/>
           </a:p>
@@ -1993,7 +1993,7 @@
           <a:p>
             <a:fld id="{C9660145-43C6-4502-8869-60925745F32A}" type="datetime1">
               <a:rPr lang="en-US" smtClean="0"/>
-              <a:t>12/16/2025</a:t>
+              <a:t>12/17/2025</a:t>
             </a:fld>
             <a:endParaRPr lang="en-US"/>
           </a:p>
@@ -2205,7 +2205,7 @@
           <a:p>
             <a:fld id="{A11A8892-17A4-4007-878D-D783D30F0D8B}" type="datetime1">
               <a:rPr lang="en-US" smtClean="0"/>
-              <a:t>12/16/2025</a:t>
+              <a:t>12/17/2025</a:t>
             </a:fld>
             <a:endParaRPr lang="en-US"/>
           </a:p>
@@ -2427,7 +2427,7 @@
           <a:p>
             <a:fld id="{22BD0299-886E-446F-958E-EF66BBB8C6B7}" type="datetime1">
               <a:rPr lang="en-US" smtClean="0"/>
-              <a:t>12/16/2025</a:t>
+              <a:t>12/17/2025</a:t>
             </a:fld>
             <a:endParaRPr lang="en-US"/>
           </a:p>
@@ -2899,7 +2899,7 @@
           <a:p>
             <a:fld id="{CF9ADEF6-9A0F-42AD-B2B0-CD196C5CC474}" type="datetime1">
               <a:rPr lang="en-US" smtClean="0"/>
-              <a:t>12/16/2025</a:t>
+              <a:t>12/17/2025</a:t>
             </a:fld>
             <a:endParaRPr lang="en-US"/>
           </a:p>
@@ -3179,7 +3179,7 @@
           <a:p>
             <a:fld id="{927D38D2-3751-4D0C-8369-6AB0C31CC561}" type="datetime1">
               <a:rPr lang="en-US" smtClean="0"/>
-              <a:t>12/16/2025</a:t>
+              <a:t>12/17/2025</a:t>
             </a:fld>
             <a:endParaRPr lang="en-US"/>
           </a:p>
@@ -3606,7 +3606,7 @@
           <a:p>
             <a:fld id="{C703B707-160F-4A72-A8E2-F902FAB41C9A}" type="datetime1">
               <a:rPr lang="en-US" smtClean="0"/>
-              <a:t>12/16/2025</a:t>
+              <a:t>12/17/2025</a:t>
             </a:fld>
             <a:endParaRPr lang="en-US"/>
           </a:p>
@@ -3760,7 +3760,7 @@
           <a:p>
             <a:fld id="{3F1CFD2A-142C-4B71-A37C-4FCCA39BE467}" type="datetime1">
               <a:rPr lang="en-US" smtClean="0"/>
-              <a:t>12/16/2025</a:t>
+              <a:t>12/17/2025</a:t>
             </a:fld>
             <a:endParaRPr lang="en-US"/>
           </a:p>
@@ -3885,7 +3885,7 @@
           <a:p>
             <a:fld id="{38495D1B-0B6E-411A-AAA4-0E148ADD174D}" type="datetime1">
               <a:rPr lang="en-US" smtClean="0"/>
-              <a:t>12/16/2025</a:t>
+              <a:t>12/17/2025</a:t>
             </a:fld>
             <a:endParaRPr lang="en-US"/>
           </a:p>
@@ -4210,7 +4210,7 @@
           <a:p>
             <a:fld id="{98978143-7DE7-4BE5-8934-19C74A5C38F0}" type="datetime1">
               <a:rPr lang="en-US" smtClean="0"/>
-              <a:t>12/16/2025</a:t>
+              <a:t>12/17/2025</a:t>
             </a:fld>
             <a:endParaRPr lang="en-US"/>
           </a:p>
@@ -4511,7 +4511,7 @@
           <a:p>
             <a:fld id="{4D629578-FEF0-467F-B816-D88DB95CE546}" type="datetime1">
               <a:rPr lang="en-US" smtClean="0"/>
-              <a:t>12/16/2025</a:t>
+              <a:t>12/17/2025</a:t>
             </a:fld>
             <a:endParaRPr lang="en-US"/>
           </a:p>
@@ -6425,7 +6425,7 @@
           <a:p>
             <a:r>
               <a:rPr lang="ru-RU" dirty="0"/>
-              <a:t>Отладочные регистры</a:t>
+              <a:t>Аппаратная отладка. Отладочные регистры</a:t>
             </a:r>
             <a:endParaRPr lang="en-US" dirty="0"/>
           </a:p>
@@ -9050,6 +9050,22 @@
               <a:rPr lang="ru-RU" dirty="0"/>
               <a:t>Пошаговое выполнение</a:t>
             </a:r>
+            <a:r>
+              <a:rPr lang="en-US" dirty="0"/>
+              <a:t> </a:t>
+            </a:r>
+            <a:r>
+              <a:rPr lang="en-US" sz="1600" dirty="0"/>
+              <a:t>(</a:t>
+            </a:r>
+            <a:r>
+              <a:rPr lang="ru-RU" sz="1600" dirty="0"/>
+              <a:t>пример</a:t>
+            </a:r>
+            <a:r>
+              <a:rPr lang="en-US" sz="1600" dirty="0"/>
+              <a:t>)</a:t>
+            </a:r>
             <a:endParaRPr lang="en-US" dirty="0"/>
           </a:p>
         </p:txBody>
@@ -9262,7 +9278,58 @@
           <a:p>
             <a:r>
               <a:rPr lang="ru-RU" dirty="0"/>
-              <a:t>Программная отладка</a:t>
+              <a:t>Программная отладка </a:t>
+            </a:r>
+            <a:r>
+              <a:rPr kumimoji="0" lang="en-US" sz="1600" b="0" i="0" u="none" strike="noStrike" kern="1200" cap="none" spc="0" normalizeH="0" baseline="0" noProof="0" dirty="0">
+                <a:ln>
+                  <a:noFill/>
+                </a:ln>
+                <a:solidFill>
+                  <a:prstClr val="black"/>
+                </a:solidFill>
+                <a:effectLst/>
+                <a:uLnTx/>
+                <a:uFillTx/>
+                <a:latin typeface="Calibri Light" panose="020F0302020204030204"/>
+                <a:ea typeface="+mj-ea"/>
+                <a:cs typeface="+mj-cs"/>
+              </a:rPr>
+              <a:t>(</a:t>
+            </a:r>
+            <a:r>
+              <a:rPr kumimoji="0" lang="ru-RU" sz="1600" b="0" i="0" u="none" strike="noStrike" kern="1200" cap="none" spc="0" normalizeH="0" baseline="0" noProof="0" dirty="0">
+                <a:ln>
+                  <a:noFill/>
+                </a:ln>
+                <a:solidFill>
+                  <a:prstClr val="black"/>
+                </a:solidFill>
+                <a:effectLst/>
+                <a:uLnTx/>
+                <a:uFillTx/>
+                <a:latin typeface="Calibri Light" panose="020F0302020204030204"/>
+                <a:ea typeface="+mj-ea"/>
+                <a:cs typeface="+mj-cs"/>
+              </a:rPr>
+              <a:t>пример</a:t>
+            </a:r>
+            <a:r>
+              <a:rPr kumimoji="0" lang="en-US" sz="1600" b="0" i="0" u="none" strike="noStrike" kern="1200" cap="none" spc="0" normalizeH="0" baseline="0" noProof="0">
+                <a:ln>
+                  <a:noFill/>
+                </a:ln>
+                <a:solidFill>
+                  <a:prstClr val="black"/>
+                </a:solidFill>
+                <a:effectLst/>
+                <a:uLnTx/>
+                <a:uFillTx/>
+                <a:latin typeface="Calibri Light" panose="020F0302020204030204"/>
+                <a:ea typeface="+mj-ea"/>
+                <a:cs typeface="+mj-cs"/>
+              </a:rPr>
+              <a:t>)</a:t>
             </a:r>
             <a:endParaRPr lang="en-US" dirty="0"/>
           </a:p>
@@ -10645,7 +10712,7 @@
         </p:nvSpPr>
         <p:spPr>
           <a:xfrm>
-            <a:off x="8610600" y="1690687"/>
+            <a:off x="8574921" y="1690688"/>
             <a:ext cx="2593299" cy="3413463"/>
           </a:xfrm>
           <a:prstGeom prst="rect">
@@ -11387,6 +11454,279 @@
           </a:p>
         </p:txBody>
       </p:sp>
+      <p:sp>
+        <p:nvSpPr>
+          <p:cNvPr id="3" name="Полилиния: фигура 11">
+            <a:extLst>
+              <a:ext uri="{FF2B5EF4-FFF2-40B4-BE49-F238E27FC236}">
+                <a16:creationId xmlns:a16="http://schemas.microsoft.com/office/drawing/2014/main" id="{D60167F7-E40C-8D56-C8D7-49A0C8533F3E}"/>
+              </a:ext>
+            </a:extLst>
+          </p:cNvPr>
+          <p:cNvSpPr/>
+          <p:nvPr/>
+        </p:nvSpPr>
+        <p:spPr>
+          <a:xfrm>
+            <a:off x="8330082" y="5404540"/>
+            <a:ext cx="3082978" cy="646603"/>
+          </a:xfrm>
+          <a:custGeom>
+            <a:avLst>
+              <a:gd name="f0" fmla="val 0"/>
+            </a:avLst>
+            <a:gdLst>
+              <a:gd name="f1" fmla="val 10800000"/>
+              <a:gd name="f2" fmla="val 5400000"/>
+              <a:gd name="f3" fmla="val 16200000"/>
+              <a:gd name="f4" fmla="val w"/>
+              <a:gd name="f5" fmla="val h"/>
+              <a:gd name="f6" fmla="val ss"/>
+              <a:gd name="f7" fmla="val 0"/>
+              <a:gd name="f8" fmla="*/ 5419351 1 1725033"/>
+              <a:gd name="f9" fmla="val 45"/>
+              <a:gd name="f10" fmla="val 10800"/>
+              <a:gd name="f11" fmla="val -2147483647"/>
+              <a:gd name="f12" fmla="val 2147483647"/>
+              <a:gd name="f13" fmla="abs f4"/>
+              <a:gd name="f14" fmla="abs f5"/>
+              <a:gd name="f15" fmla="abs f6"/>
+              <a:gd name="f16" fmla="*/ f8 1 180"/>
+              <a:gd name="f17" fmla="pin 0 f0 10800"/>
+              <a:gd name="f18" fmla="+- 0 0 f2"/>
+              <a:gd name="f19" fmla="?: f13 f4 1"/>
+              <a:gd name="f20" fmla="?: f14 f5 1"/>
+              <a:gd name="f21" fmla="?: f15 f6 1"/>
+              <a:gd name="f22" fmla="*/ f9 f16 1"/>
+              <a:gd name="f23" fmla="+- f7 f17 0"/>
+              <a:gd name="f24" fmla="*/ f19 1 21600"/>
+              <a:gd name="f25" fmla="*/ f20 1 21600"/>
+              <a:gd name="f26" fmla="*/ 21600 f19 1"/>
+              <a:gd name="f27" fmla="*/ 21600 f20 1"/>
+              <a:gd name="f28" fmla="+- 0 0 f22"/>
+              <a:gd name="f29" fmla="min f25 f24"/>
+              <a:gd name="f30" fmla="*/ f26 1 f21"/>
+              <a:gd name="f31" fmla="*/ f27 1 f21"/>
+              <a:gd name="f32" fmla="*/ f28 f1 1"/>
+              <a:gd name="f33" fmla="*/ f32 1 f8"/>
+              <a:gd name="f34" fmla="+- f31 0 f17"/>
+              <a:gd name="f35" fmla="+- f30 0 f17"/>
+              <a:gd name="f36" fmla="*/ f17 f29 1"/>
+              <a:gd name="f37" fmla="*/ f7 f29 1"/>
+              <a:gd name="f38" fmla="*/ f23 f29 1"/>
+              <a:gd name="f39" fmla="*/ f31 f29 1"/>
+              <a:gd name="f40" fmla="*/ f30 f29 1"/>
+              <a:gd name="f41" fmla="+- f33 0 f2"/>
+              <a:gd name="f42" fmla="+- f37 0 f38"/>
+              <a:gd name="f43" fmla="+- f38 0 f37"/>
+              <a:gd name="f44" fmla="*/ f34 f29 1"/>
+              <a:gd name="f45" fmla="*/ f35 f29 1"/>
+              <a:gd name="f46" fmla="cos 1 f41"/>
+              <a:gd name="f47" fmla="abs f42"/>
+              <a:gd name="f48" fmla="abs f43"/>
+              <a:gd name="f49" fmla="?: f42 f18 f2"/>
+              <a:gd name="f50" fmla="?: f42 f2 f18"/>
+              <a:gd name="f51" fmla="?: f42 f3 f2"/>
+              <a:gd name="f52" fmla="?: f42 f2 f3"/>
+              <a:gd name="f53" fmla="+- f39 0 f44"/>
+              <a:gd name="f54" fmla="?: f43 f18 f2"/>
+              <a:gd name="f55" fmla="?: f43 f2 f18"/>
+              <a:gd name="f56" fmla="+- f40 0 f45"/>
+              <a:gd name="f57" fmla="+- f44 0 f39"/>
+              <a:gd name="f58" fmla="+- f45 0 f40"/>
+              <a:gd name="f59" fmla="?: f42 0 f1"/>
+              <a:gd name="f60" fmla="?: f42 f1 0"/>
+              <a:gd name="f61" fmla="+- 0 0 f46"/>
+              <a:gd name="f62" fmla="?: f42 f52 f51"/>
+              <a:gd name="f63" fmla="?: f42 f51 f52"/>
+              <a:gd name="f64" fmla="?: f43 f50 f49"/>
+              <a:gd name="f65" fmla="abs f53"/>
+              <a:gd name="f66" fmla="?: f53 0 f1"/>
+              <a:gd name="f67" fmla="?: f53 f1 0"/>
+              <a:gd name="f68" fmla="?: f53 f54 f55"/>
+              <a:gd name="f69" fmla="abs f56"/>
+              <a:gd name="f70" fmla="abs f57"/>
+              <a:gd name="f71" fmla="?: f56 f18 f2"/>
+              <a:gd name="f72" fmla="?: f56 f2 f18"/>
+              <a:gd name="f73" fmla="?: f56 f3 f2"/>
+              <a:gd name="f74" fmla="?: f56 f2 f3"/>
+              <a:gd name="f75" fmla="abs f58"/>
+              <a:gd name="f76" fmla="?: f58 f18 f2"/>
+              <a:gd name="f77" fmla="?: f58 f2 f18"/>
+              <a:gd name="f78" fmla="?: f58 f60 f59"/>
+              <a:gd name="f79" fmla="?: f58 f59 f60"/>
+              <a:gd name="f80" fmla="*/ f17 f61 1"/>
+              <a:gd name="f81" fmla="?: f43 f63 f62"/>
+              <a:gd name="f82" fmla="?: f43 f67 f66"/>
+              <a:gd name="f83" fmla="?: f43 f66 f67"/>
+              <a:gd name="f84" fmla="?: f56 f74 f73"/>
+              <a:gd name="f85" fmla="?: f56 f73 f74"/>
+              <a:gd name="f86" fmla="?: f57 f72 f71"/>
+              <a:gd name="f87" fmla="?: f42 f78 f79"/>
+              <a:gd name="f88" fmla="?: f42 f76 f77"/>
+              <a:gd name="f89" fmla="*/ f80 3163 1"/>
+              <a:gd name="f90" fmla="?: f53 f82 f83"/>
+              <a:gd name="f91" fmla="?: f57 f85 f84"/>
+              <a:gd name="f92" fmla="*/ f89 1 7636"/>
+              <a:gd name="f93" fmla="+- f7 f92 0"/>
+              <a:gd name="f94" fmla="+- f30 0 f92"/>
+              <a:gd name="f95" fmla="+- f31 0 f92"/>
+              <a:gd name="f96" fmla="*/ f93 f29 1"/>
+              <a:gd name="f97" fmla="*/ f94 f29 1"/>
+              <a:gd name="f98" fmla="*/ f95 f29 1"/>
+            </a:gdLst>
+            <a:ahLst>
+              <a:ahXY gdRefX="f0" minX="f7" maxX="f10">
+                <a:pos x="f36" y="f37"/>
+              </a:ahXY>
+            </a:ahLst>
+            <a:cxnLst>
+              <a:cxn ang="3cd4">
+                <a:pos x="hc" y="t"/>
+              </a:cxn>
+              <a:cxn ang="0">
+                <a:pos x="r" y="vc"/>
+              </a:cxn>
+              <a:cxn ang="cd4">
+                <a:pos x="hc" y="b"/>
+              </a:cxn>
+              <a:cxn ang="cd2">
+                <a:pos x="l" y="vc"/>
+              </a:cxn>
+            </a:cxnLst>
+            <a:rect l="f96" t="f96" r="f97" b="f98"/>
+            <a:pathLst>
+              <a:path>
+                <a:moveTo>
+                  <a:pt x="f38" y="f37"/>
+                </a:moveTo>
+                <a:arcTo wR="f47" hR="f48" stAng="f81" swAng="f64"/>
+                <a:lnTo>
+                  <a:pt x="f37" y="f44"/>
+                </a:lnTo>
+                <a:arcTo wR="f48" hR="f65" stAng="f90" swAng="f68"/>
+                <a:lnTo>
+                  <a:pt x="f45" y="f39"/>
+                </a:lnTo>
+                <a:arcTo wR="f69" hR="f70" stAng="f91" swAng="f86"/>
+                <a:lnTo>
+                  <a:pt x="f40" y="f38"/>
+                </a:lnTo>
+                <a:arcTo wR="f75" hR="f47" stAng="f87" swAng="f88"/>
+                <a:close/>
+              </a:path>
+            </a:pathLst>
+          </a:custGeom>
+          <a:solidFill>
+            <a:schemeClr val="accent2">
+              <a:lumMod val="75000"/>
+            </a:schemeClr>
+          </a:solidFill>
+          <a:ln w="0">
+            <a:solidFill>
+              <a:srgbClr val="000000"/>
+            </a:solidFill>
+            <a:prstDash val="solid"/>
+          </a:ln>
+        </p:spPr>
+        <p:txBody>
+          <a:bodyPr vert="horz" wrap="none" lIns="90000" tIns="45000" rIns="90000" bIns="45000" anchor="t" anchorCtr="0" compatLnSpc="0">
+            <a:noAutofit/>
+          </a:bodyPr>
+          <a:lstStyle/>
+          <a:p>
+            <a:pPr marL="0" marR="0" lvl="0" indent="0" rtl="0" hangingPunct="0">
+              <a:lnSpc>
+                <a:spcPct val="100000"/>
+              </a:lnSpc>
+              <a:spcBef>
+                <a:spcPts val="0"/>
+              </a:spcBef>
+              <a:spcAft>
+                <a:spcPts val="0"/>
+              </a:spcAft>
+              <a:buNone/>
+              <a:tabLst/>
+              <a:defRPr lang="ru-RU"/>
+            </a:pPr>
+            <a:r>
+              <a:rPr lang="ru-RU" sz="1800" b="0" i="0" u="none" strike="noStrike" kern="1200" cap="none" dirty="0">
+                <a:ln>
+                  <a:noFill/>
+                </a:ln>
+                <a:latin typeface="Liberation Sans" pitchFamily="18"/>
+                <a:ea typeface="Source Han Sans CN" pitchFamily="2"/>
+                <a:cs typeface="Noto Sans Devanagari" pitchFamily="2"/>
+              </a:rPr>
+              <a:t>Ядро </a:t>
+            </a:r>
+            <a:r>
+              <a:rPr lang="en-US" sz="1800" b="0" i="0" u="none" strike="noStrike" kern="1200" cap="none" dirty="0">
+                <a:ln>
+                  <a:noFill/>
+                </a:ln>
+                <a:latin typeface="Liberation Sans" pitchFamily="18"/>
+                <a:ea typeface="Source Han Sans CN" pitchFamily="2"/>
+                <a:cs typeface="Noto Sans Devanagari" pitchFamily="2"/>
+              </a:rPr>
+              <a:t>host-</a:t>
+            </a:r>
+            <a:r>
+              <a:rPr lang="ru-RU" sz="1800" b="0" i="0" u="none" strike="noStrike" kern="1200" cap="none" dirty="0">
+                <a:ln>
+                  <a:noFill/>
+                </a:ln>
+                <a:latin typeface="Liberation Sans" pitchFamily="18"/>
+                <a:ea typeface="Source Han Sans CN" pitchFamily="2"/>
+                <a:cs typeface="Noto Sans Devanagari" pitchFamily="2"/>
+              </a:rPr>
+              <a:t>ОС</a:t>
+            </a:r>
+          </a:p>
+        </p:txBody>
+      </p:sp>
+      <p:cxnSp>
+        <p:nvCxnSpPr>
+          <p:cNvPr id="4" name="Прямая со стрелкой 16">
+            <a:extLst>
+              <a:ext uri="{FF2B5EF4-FFF2-40B4-BE49-F238E27FC236}">
+                <a16:creationId xmlns:a16="http://schemas.microsoft.com/office/drawing/2014/main" id="{6AFC5C34-8420-B36B-AA5D-33B5FE212BAD}"/>
+              </a:ext>
+            </a:extLst>
+          </p:cNvPr>
+          <p:cNvCxnSpPr>
+            <a:cxnSpLocks/>
+          </p:cNvCxnSpPr>
+          <p:nvPr/>
+        </p:nvCxnSpPr>
+        <p:spPr>
+          <a:xfrm flipH="1" flipV="1">
+            <a:off x="9871569" y="5120626"/>
+            <a:ext cx="1" cy="269138"/>
+          </a:xfrm>
+          <a:prstGeom prst="straightConnector1">
+            <a:avLst/>
+          </a:prstGeom>
+          <a:ln>
+            <a:headEnd type="triangle" w="med" len="med"/>
+            <a:tailEnd type="triangle" w="med" len="med"/>
+          </a:ln>
+        </p:spPr>
+        <p:style>
+          <a:lnRef idx="1">
+            <a:schemeClr val="dk1"/>
+          </a:lnRef>
+          <a:fillRef idx="0">
+            <a:schemeClr val="dk1"/>
+          </a:fillRef>
+          <a:effectRef idx="0">
+            <a:schemeClr val="dk1"/>
+          </a:effectRef>
+          <a:fontRef idx="minor">
+            <a:schemeClr val="tx1"/>
+          </a:fontRef>
+        </p:style>
+      </p:cxnSp>
     </p:spTree>
     <p:extLst>
       <p:ext uri="{BB962C8B-B14F-4D97-AF65-F5344CB8AC3E}">
@@ -14266,7 +14606,7 @@
         </p:nvSpPr>
         <p:spPr>
           <a:xfrm>
-            <a:off x="8505669" y="1543987"/>
+            <a:off x="8469990" y="1549547"/>
             <a:ext cx="2593299" cy="2728209"/>
           </a:xfrm>
           <a:prstGeom prst="rect">
@@ -15516,7 +15856,7 @@
             </a:r>
             <a:r>
               <a:rPr lang="ru-RU" sz="2000" dirty="0"/>
-              <a:t>или даже отдельной программой. За контроль аппаратного обеспечения и первичную обработку прерываний отвечает ядро </a:t>
+              <a:t>или отдельной программой. За контроль аппаратного обеспечения и первичную обработку прерываний отвечает ядро </a:t>
             </a:r>
             <a:r>
               <a:rPr lang="en-US" sz="2000" dirty="0"/>
@@ -15550,7 +15890,7 @@
             </a:r>
             <a:r>
               <a:rPr lang="ru-RU" sz="2000" dirty="0"/>
-              <a:t>ОС, а затем прозрачно передает результаты гостевой ОС.</a:t>
+              <a:t>ОС, а затем передает результаты гостевой ОС.</a:t>
             </a:r>
           </a:p>
           <a:p>
@@ -15583,7 +15923,7 @@
         </p:nvSpPr>
         <p:spPr>
           <a:xfrm>
-            <a:off x="8655570" y="1061006"/>
+            <a:off x="8685548" y="1071237"/>
             <a:ext cx="2593299" cy="2553300"/>
           </a:xfrm>
           <a:prstGeom prst="rect">
@@ -28453,7 +28793,7 @@
         <p:spPr>
           <a:xfrm>
             <a:off x="10441479" y="3055137"/>
-            <a:ext cx="1485838" cy="923330"/>
+            <a:ext cx="1485838" cy="1200329"/>
           </a:xfrm>
           <a:prstGeom prst="rect">
             <a:avLst/>
@@ -28478,6 +28818,13 @@
             <a:r>
               <a:rPr lang="ru-RU" dirty="0"/>
               <a:t>аппаратного исключения</a:t>
+            </a:r>
+          </a:p>
+          <a:p>
+            <a:pPr algn="ctr"/>
+            <a:r>
+              <a:rPr lang="ru-RU" dirty="0"/>
+              <a:t>в ядре ОС</a:t>
             </a:r>
           </a:p>
         </p:txBody>
@@ -29094,42 +29441,6 @@
           </a:fontRef>
         </p:style>
       </p:cxnSp>
-      <p:sp>
-        <p:nvSpPr>
-          <p:cNvPr id="18" name="TextBox 17">
-            <a:extLst>
-              <a:ext uri="{FF2B5EF4-FFF2-40B4-BE49-F238E27FC236}">
-                <a16:creationId xmlns:a16="http://schemas.microsoft.com/office/drawing/2014/main" id="{872527AC-6A4B-FEC4-6F30-5458B5FA08C8}"/>
-              </a:ext>
-            </a:extLst>
-          </p:cNvPr>
-          <p:cNvSpPr txBox="1"/>
-          <p:nvPr/>
-        </p:nvSpPr>
-        <p:spPr>
-          <a:xfrm>
-            <a:off x="10441479" y="4570590"/>
-            <a:ext cx="1485838" cy="369332"/>
-          </a:xfrm>
-          <a:prstGeom prst="rect">
-            <a:avLst/>
-          </a:prstGeom>
-          <a:noFill/>
-        </p:spPr>
-        <p:txBody>
-          <a:bodyPr wrap="square" rtlCol="0">
-            <a:spAutoFit/>
-          </a:bodyPr>
-          <a:lstStyle/>
-          <a:p>
-            <a:pPr algn="ctr"/>
-            <a:r>
-              <a:rPr lang="ru-RU" dirty="0"/>
-              <a:t>ОС</a:t>
-            </a:r>
-          </a:p>
-        </p:txBody>
-      </p:sp>
       <p:cxnSp>
         <p:nvCxnSpPr>
           <p:cNvPr id="21" name="Соединитель: уступ 20">
@@ -29141,19 +29452,19 @@
           </p:cNvPr>
           <p:cNvCxnSpPr>
             <a:cxnSpLocks/>
-            <a:stCxn id="18" idx="2"/>
+            <a:stCxn id="6" idx="2"/>
             <a:endCxn id="9" idx="2"/>
           </p:cNvCxnSpPr>
           <p:nvPr/>
         </p:nvCxnSpPr>
         <p:spPr>
           <a:xfrm rot="5400000" flipH="1">
-            <a:off x="8812049" y="2567573"/>
-            <a:ext cx="1762350" cy="2982348"/>
+            <a:off x="9154277" y="2225345"/>
+            <a:ext cx="1077894" cy="2982348"/>
           </a:xfrm>
           <a:prstGeom prst="bentConnector3">
             <a:avLst>
-              <a:gd name="adj1" fmla="val -12971"/>
+              <a:gd name="adj1" fmla="val -87327"/>
             </a:avLst>
           </a:prstGeom>
           <a:ln>
@@ -29269,15 +29580,15 @@
           </p:cNvPr>
           <p:cNvCxnSpPr>
             <a:cxnSpLocks/>
-            <a:stCxn id="18" idx="2"/>
+            <a:stCxn id="6" idx="2"/>
             <a:endCxn id="41" idx="3"/>
           </p:cNvCxnSpPr>
           <p:nvPr/>
         </p:nvCxnSpPr>
         <p:spPr>
           <a:xfrm rot="5400000">
-            <a:off x="10207819" y="4861477"/>
-            <a:ext cx="898135" cy="1055025"/>
+            <a:off x="9865591" y="4519249"/>
+            <a:ext cx="1582591" cy="1055025"/>
           </a:xfrm>
           <a:prstGeom prst="bentConnector2">
             <a:avLst/>
@@ -29388,51 +29699,42 @@
           </a:fontRef>
         </p:style>
       </p:cxnSp>
-      <p:cxnSp>
-        <p:nvCxnSpPr>
-          <p:cNvPr id="50" name="Прямая со стрелкой 49">
-            <a:extLst>
-              <a:ext uri="{FF2B5EF4-FFF2-40B4-BE49-F238E27FC236}">
-                <a16:creationId xmlns:a16="http://schemas.microsoft.com/office/drawing/2014/main" id="{A3DDC430-3E68-8688-29BA-1FB051D10219}"/>
-              </a:ext>
-            </a:extLst>
-          </p:cNvPr>
-          <p:cNvCxnSpPr>
-            <a:stCxn id="6" idx="2"/>
-            <a:endCxn id="18" idx="0"/>
-          </p:cNvCxnSpPr>
+      <p:sp>
+        <p:nvSpPr>
+          <p:cNvPr id="19" name="TextBox 18">
+            <a:extLst>
+              <a:ext uri="{FF2B5EF4-FFF2-40B4-BE49-F238E27FC236}">
+                <a16:creationId xmlns:a16="http://schemas.microsoft.com/office/drawing/2014/main" id="{976BF7D7-D536-0FA3-398E-95068ACB1161}"/>
+              </a:ext>
+            </a:extLst>
+          </p:cNvPr>
+          <p:cNvSpPr txBox="1"/>
           <p:nvPr/>
-        </p:nvCxnSpPr>
+        </p:nvSpPr>
         <p:spPr>
           <a:xfrm>
-            <a:off x="11184398" y="3978467"/>
-            <a:ext cx="0" cy="592123"/>
+            <a:off x="10448299" y="5520120"/>
+            <a:ext cx="736099" cy="369332"/>
           </a:xfrm>
-          <a:prstGeom prst="straightConnector1">
+          <a:prstGeom prst="rect">
             <a:avLst/>
           </a:prstGeom>
-          <a:ln>
-            <a:solidFill>
-              <a:srgbClr val="FF0000"/>
-            </a:solidFill>
-            <a:tailEnd type="triangle"/>
-          </a:ln>
+          <a:noFill/>
         </p:spPr>
-        <p:style>
-          <a:lnRef idx="1">
-            <a:schemeClr val="dk1"/>
-          </a:lnRef>
-          <a:fillRef idx="0">
-            <a:schemeClr val="dk1"/>
-          </a:fillRef>
-          <a:effectRef idx="0">
-            <a:schemeClr val="dk1"/>
-          </a:effectRef>
-          <a:fontRef idx="minor">
-            <a:schemeClr val="tx1"/>
-          </a:fontRef>
-        </p:style>
-      </p:cxnSp>
+        <p:txBody>
+          <a:bodyPr wrap="none" rtlCol="0">
+            <a:spAutoFit/>
+          </a:bodyPr>
+          <a:lstStyle/>
+          <a:p>
+            <a:r>
+              <a:rPr lang="en-US" i="1" dirty="0"/>
+              <a:t>signal</a:t>
+            </a:r>
+            <a:endParaRPr lang="ru-RU" i="1" dirty="0"/>
+          </a:p>
+        </p:txBody>
+      </p:sp>
     </p:spTree>
     <p:extLst>
       <p:ext uri="{BB962C8B-B14F-4D97-AF65-F5344CB8AC3E}">
